--- a/docs/Super Usuário.pptx
+++ b/docs/Super Usuário.pptx
@@ -21,6 +21,9 @@
     <p:sldId id="269" r:id="rId15"/>
     <p:sldId id="270" r:id="rId16"/>
     <p:sldId id="271" r:id="rId17"/>
+    <p:sldId id="272" r:id="rId18"/>
+    <p:sldId id="273" r:id="rId19"/>
+    <p:sldId id="274" r:id="rId20"/>
   </p:sldIdLst>
   <p:sldSz cx="12192000" cy="6858000"/>
   <p:notesSz cx="6858000" cy="9144000"/>
@@ -274,7 +277,7 @@
           <a:p>
             <a:fld id="{B5413F04-2A97-466B-88D4-4AAC8DB71DAC}" type="datetimeFigureOut">
               <a:rPr lang="pt-BR" smtClean="0"/>
-              <a:t>20/08/2025</a:t>
+              <a:t>21/08/2025</a:t>
             </a:fld>
             <a:endParaRPr lang="pt-BR"/>
           </a:p>
@@ -472,7 +475,7 @@
           <a:p>
             <a:fld id="{B5413F04-2A97-466B-88D4-4AAC8DB71DAC}" type="datetimeFigureOut">
               <a:rPr lang="pt-BR" smtClean="0"/>
-              <a:t>20/08/2025</a:t>
+              <a:t>21/08/2025</a:t>
             </a:fld>
             <a:endParaRPr lang="pt-BR"/>
           </a:p>
@@ -680,7 +683,7 @@
           <a:p>
             <a:fld id="{B5413F04-2A97-466B-88D4-4AAC8DB71DAC}" type="datetimeFigureOut">
               <a:rPr lang="pt-BR" smtClean="0"/>
-              <a:t>20/08/2025</a:t>
+              <a:t>21/08/2025</a:t>
             </a:fld>
             <a:endParaRPr lang="pt-BR"/>
           </a:p>
@@ -878,7 +881,7 @@
           <a:p>
             <a:fld id="{B5413F04-2A97-466B-88D4-4AAC8DB71DAC}" type="datetimeFigureOut">
               <a:rPr lang="pt-BR" smtClean="0"/>
-              <a:t>20/08/2025</a:t>
+              <a:t>21/08/2025</a:t>
             </a:fld>
             <a:endParaRPr lang="pt-BR"/>
           </a:p>
@@ -1153,7 +1156,7 @@
           <a:p>
             <a:fld id="{B5413F04-2A97-466B-88D4-4AAC8DB71DAC}" type="datetimeFigureOut">
               <a:rPr lang="pt-BR" smtClean="0"/>
-              <a:t>20/08/2025</a:t>
+              <a:t>21/08/2025</a:t>
             </a:fld>
             <a:endParaRPr lang="pt-BR"/>
           </a:p>
@@ -1418,7 +1421,7 @@
           <a:p>
             <a:fld id="{B5413F04-2A97-466B-88D4-4AAC8DB71DAC}" type="datetimeFigureOut">
               <a:rPr lang="pt-BR" smtClean="0"/>
-              <a:t>20/08/2025</a:t>
+              <a:t>21/08/2025</a:t>
             </a:fld>
             <a:endParaRPr lang="pt-BR"/>
           </a:p>
@@ -1830,7 +1833,7 @@
           <a:p>
             <a:fld id="{B5413F04-2A97-466B-88D4-4AAC8DB71DAC}" type="datetimeFigureOut">
               <a:rPr lang="pt-BR" smtClean="0"/>
-              <a:t>20/08/2025</a:t>
+              <a:t>21/08/2025</a:t>
             </a:fld>
             <a:endParaRPr lang="pt-BR"/>
           </a:p>
@@ -1971,7 +1974,7 @@
           <a:p>
             <a:fld id="{B5413F04-2A97-466B-88D4-4AAC8DB71DAC}" type="datetimeFigureOut">
               <a:rPr lang="pt-BR" smtClean="0"/>
-              <a:t>20/08/2025</a:t>
+              <a:t>21/08/2025</a:t>
             </a:fld>
             <a:endParaRPr lang="pt-BR"/>
           </a:p>
@@ -2084,7 +2087,7 @@
           <a:p>
             <a:fld id="{B5413F04-2A97-466B-88D4-4AAC8DB71DAC}" type="datetimeFigureOut">
               <a:rPr lang="pt-BR" smtClean="0"/>
-              <a:t>20/08/2025</a:t>
+              <a:t>21/08/2025</a:t>
             </a:fld>
             <a:endParaRPr lang="pt-BR"/>
           </a:p>
@@ -2395,7 +2398,7 @@
           <a:p>
             <a:fld id="{B5413F04-2A97-466B-88D4-4AAC8DB71DAC}" type="datetimeFigureOut">
               <a:rPr lang="pt-BR" smtClean="0"/>
-              <a:t>20/08/2025</a:t>
+              <a:t>21/08/2025</a:t>
             </a:fld>
             <a:endParaRPr lang="pt-BR"/>
           </a:p>
@@ -2683,7 +2686,7 @@
           <a:p>
             <a:fld id="{B5413F04-2A97-466B-88D4-4AAC8DB71DAC}" type="datetimeFigureOut">
               <a:rPr lang="pt-BR" smtClean="0"/>
-              <a:t>20/08/2025</a:t>
+              <a:t>21/08/2025</a:t>
             </a:fld>
             <a:endParaRPr lang="pt-BR"/>
           </a:p>
@@ -2924,7 +2927,7 @@
           <a:p>
             <a:fld id="{B5413F04-2A97-466B-88D4-4AAC8DB71DAC}" type="datetimeFigureOut">
               <a:rPr lang="pt-BR" smtClean="0"/>
-              <a:t>20/08/2025</a:t>
+              <a:t>21/08/2025</a:t>
             </a:fld>
             <a:endParaRPr lang="pt-BR"/>
           </a:p>
@@ -3594,6 +3597,80 @@
           </a:p>
         </p:txBody>
       </p:sp>
+      <p:sp>
+        <p:nvSpPr>
+          <p:cNvPr id="4" name="CaixaDeTexto 3">
+            <a:extLst>
+              <a:ext uri="{FF2B5EF4-FFF2-40B4-BE49-F238E27FC236}">
+                <a16:creationId xmlns:a16="http://schemas.microsoft.com/office/drawing/2014/main" id="{6B730776-D046-4F84-A77F-9B0A052D99DE}"/>
+              </a:ext>
+            </a:extLst>
+          </p:cNvPr>
+          <p:cNvSpPr txBox="1"/>
+          <p:nvPr/>
+        </p:nvSpPr>
+        <p:spPr>
+          <a:xfrm>
+            <a:off x="3226526" y="4937760"/>
+            <a:ext cx="4028732" cy="1200329"/>
+          </a:xfrm>
+          <a:prstGeom prst="rect">
+            <a:avLst/>
+          </a:prstGeom>
+          <a:noFill/>
+        </p:spPr>
+        <p:txBody>
+          <a:bodyPr wrap="none" rtlCol="0">
+            <a:spAutoFit/>
+          </a:bodyPr>
+          <a:lstStyle/>
+          <a:p>
+            <a:r>
+              <a:rPr lang="pt-BR" dirty="0" err="1"/>
+              <a:t>genero</a:t>
+            </a:r>
+            <a:r>
+              <a:rPr lang="pt-BR" dirty="0"/>
+              <a:t> = </a:t>
+            </a:r>
+            <a:r>
+              <a:rPr lang="pt-BR" dirty="0" err="1"/>
+              <a:t>Genero</a:t>
+            </a:r>
+            <a:r>
+              <a:rPr lang="pt-BR" dirty="0"/>
+              <a:t>(nome=“Plataforma”)</a:t>
+            </a:r>
+          </a:p>
+          <a:p>
+            <a:r>
+              <a:rPr lang="pt-BR" dirty="0"/>
+              <a:t>genero2 = </a:t>
+            </a:r>
+            <a:r>
+              <a:rPr lang="pt-BR" dirty="0" err="1"/>
+              <a:t>Genero</a:t>
+            </a:r>
+            <a:r>
+              <a:rPr lang="pt-BR" dirty="0"/>
+              <a:t>(nome=“Visual Novel”)</a:t>
+            </a:r>
+          </a:p>
+          <a:p>
+            <a:endParaRPr lang="pt-BR" dirty="0"/>
+          </a:p>
+          <a:p>
+            <a:r>
+              <a:rPr lang="pt-BR" dirty="0" err="1"/>
+              <a:t>genero.save</a:t>
+            </a:r>
+            <a:r>
+              <a:rPr lang="pt-BR" dirty="0"/>
+              <a:t>( )</a:t>
+            </a:r>
+          </a:p>
+        </p:txBody>
+      </p:sp>
     </p:spTree>
     <p:extLst>
       <p:ext uri="{BB962C8B-B14F-4D97-AF65-F5344CB8AC3E}">
@@ -4220,6 +4297,316 @@
     <p:extLst>
       <p:ext uri="{BB962C8B-B14F-4D97-AF65-F5344CB8AC3E}">
         <p14:creationId xmlns:p14="http://schemas.microsoft.com/office/powerpoint/2010/main" val="329659918"/>
+      </p:ext>
+    </p:extLst>
+  </p:cSld>
+  <p:clrMapOvr>
+    <a:masterClrMapping/>
+  </p:clrMapOvr>
+</p:sld>
+</file>
+
+<file path=ppt/slides/slide17.xml><?xml version="1.0" encoding="utf-8"?>
+<p:sld xmlns:a="http://schemas.openxmlformats.org/drawingml/2006/main" xmlns:r="http://schemas.openxmlformats.org/officeDocument/2006/relationships" xmlns:p="http://schemas.openxmlformats.org/presentationml/2006/main">
+  <p:cSld>
+    <p:spTree>
+      <p:nvGrpSpPr>
+        <p:cNvPr id="1" name=""/>
+        <p:cNvGrpSpPr/>
+        <p:nvPr/>
+      </p:nvGrpSpPr>
+      <p:grpSpPr>
+        <a:xfrm>
+          <a:off x="0" y="0"/>
+          <a:ext cx="0" cy="0"/>
+          <a:chOff x="0" y="0"/>
+          <a:chExt cx="0" cy="0"/>
+        </a:xfrm>
+      </p:grpSpPr>
+      <p:pic>
+        <p:nvPicPr>
+          <p:cNvPr id="2" name="Imagem 1">
+            <a:extLst>
+              <a:ext uri="{FF2B5EF4-FFF2-40B4-BE49-F238E27FC236}">
+                <a16:creationId xmlns:a16="http://schemas.microsoft.com/office/drawing/2014/main" id="{17BCCF8B-6396-4CD1-AE81-9910866A0FAA}"/>
+              </a:ext>
+            </a:extLst>
+          </p:cNvPr>
+          <p:cNvPicPr>
+            <a:picLocks noChangeAspect="1"/>
+          </p:cNvPicPr>
+          <p:nvPr/>
+        </p:nvPicPr>
+        <p:blipFill>
+          <a:blip r:embed="rId2"/>
+          <a:stretch>
+            <a:fillRect/>
+          </a:stretch>
+        </p:blipFill>
+        <p:spPr>
+          <a:xfrm>
+            <a:off x="569459" y="1456236"/>
+            <a:ext cx="10791825" cy="2847975"/>
+          </a:xfrm>
+          <a:prstGeom prst="rect">
+            <a:avLst/>
+          </a:prstGeom>
+        </p:spPr>
+      </p:pic>
+      <p:sp>
+        <p:nvSpPr>
+          <p:cNvPr id="3" name="CaixaDeTexto 2">
+            <a:extLst>
+              <a:ext uri="{FF2B5EF4-FFF2-40B4-BE49-F238E27FC236}">
+                <a16:creationId xmlns:a16="http://schemas.microsoft.com/office/drawing/2014/main" id="{314178AF-7605-42D8-B762-559484DE24F7}"/>
+              </a:ext>
+            </a:extLst>
+          </p:cNvPr>
+          <p:cNvSpPr txBox="1"/>
+          <p:nvPr/>
+        </p:nvSpPr>
+        <p:spPr>
+          <a:xfrm>
+            <a:off x="3048213" y="499076"/>
+            <a:ext cx="6307176" cy="646331"/>
+          </a:xfrm>
+          <a:prstGeom prst="rect">
+            <a:avLst/>
+          </a:prstGeom>
+        </p:spPr>
+        <p:style>
+          <a:lnRef idx="2">
+            <a:schemeClr val="dk1">
+              <a:shade val="50000"/>
+            </a:schemeClr>
+          </a:lnRef>
+          <a:fillRef idx="1">
+            <a:schemeClr val="dk1"/>
+          </a:fillRef>
+          <a:effectRef idx="0">
+            <a:schemeClr val="dk1"/>
+          </a:effectRef>
+          <a:fontRef idx="minor">
+            <a:schemeClr val="lt1"/>
+          </a:fontRef>
+        </p:style>
+        <p:txBody>
+          <a:bodyPr wrap="none" rtlCol="0">
+            <a:spAutoFit/>
+          </a:bodyPr>
+          <a:lstStyle/>
+          <a:p>
+            <a:r>
+              <a:rPr lang="pt-BR" sz="3600" b="1" dirty="0"/>
+              <a:t>Linguagem de Programação SQL</a:t>
+            </a:r>
+          </a:p>
+        </p:txBody>
+      </p:sp>
+      <p:sp>
+        <p:nvSpPr>
+          <p:cNvPr id="4" name="CaixaDeTexto 3">
+            <a:extLst>
+              <a:ext uri="{FF2B5EF4-FFF2-40B4-BE49-F238E27FC236}">
+                <a16:creationId xmlns:a16="http://schemas.microsoft.com/office/drawing/2014/main" id="{76E923A2-8D67-4147-B634-BE1C063620FC}"/>
+              </a:ext>
+            </a:extLst>
+          </p:cNvPr>
+          <p:cNvSpPr txBox="1"/>
+          <p:nvPr/>
+        </p:nvSpPr>
+        <p:spPr>
+          <a:xfrm>
+            <a:off x="4392389" y="4271553"/>
+            <a:ext cx="2886239" cy="646331"/>
+          </a:xfrm>
+          <a:prstGeom prst="rect">
+            <a:avLst/>
+          </a:prstGeom>
+        </p:spPr>
+        <p:style>
+          <a:lnRef idx="2">
+            <a:schemeClr val="dk1">
+              <a:shade val="50000"/>
+            </a:schemeClr>
+          </a:lnRef>
+          <a:fillRef idx="1">
+            <a:schemeClr val="dk1"/>
+          </a:fillRef>
+          <a:effectRef idx="0">
+            <a:schemeClr val="dk1"/>
+          </a:effectRef>
+          <a:fontRef idx="minor">
+            <a:schemeClr val="lt1"/>
+          </a:fontRef>
+        </p:style>
+        <p:txBody>
+          <a:bodyPr wrap="none" rtlCol="0">
+            <a:spAutoFit/>
+          </a:bodyPr>
+          <a:lstStyle/>
+          <a:p>
+            <a:r>
+              <a:rPr lang="pt-BR" sz="3600" b="1" dirty="0"/>
+              <a:t>DJANGO ORM</a:t>
+            </a:r>
+          </a:p>
+        </p:txBody>
+      </p:sp>
+      <p:pic>
+        <p:nvPicPr>
+          <p:cNvPr id="5" name="Imagem 4">
+            <a:extLst>
+              <a:ext uri="{FF2B5EF4-FFF2-40B4-BE49-F238E27FC236}">
+                <a16:creationId xmlns:a16="http://schemas.microsoft.com/office/drawing/2014/main" id="{799F4C73-DB99-4F8C-9814-7FD2B99F9507}"/>
+              </a:ext>
+            </a:extLst>
+          </p:cNvPr>
+          <p:cNvPicPr>
+            <a:picLocks noChangeAspect="1"/>
+          </p:cNvPicPr>
+          <p:nvPr/>
+        </p:nvPicPr>
+        <p:blipFill>
+          <a:blip r:embed="rId3"/>
+          <a:stretch>
+            <a:fillRect/>
+          </a:stretch>
+        </p:blipFill>
+        <p:spPr>
+          <a:xfrm>
+            <a:off x="3243127" y="5255759"/>
+            <a:ext cx="4895850" cy="657225"/>
+          </a:xfrm>
+          <a:prstGeom prst="rect">
+            <a:avLst/>
+          </a:prstGeom>
+        </p:spPr>
+      </p:pic>
+    </p:spTree>
+    <p:extLst>
+      <p:ext uri="{BB962C8B-B14F-4D97-AF65-F5344CB8AC3E}">
+        <p14:creationId xmlns:p14="http://schemas.microsoft.com/office/powerpoint/2010/main" val="221814102"/>
+      </p:ext>
+    </p:extLst>
+  </p:cSld>
+  <p:clrMapOvr>
+    <a:masterClrMapping/>
+  </p:clrMapOvr>
+</p:sld>
+</file>
+
+<file path=ppt/slides/slide18.xml><?xml version="1.0" encoding="utf-8"?>
+<p:sld xmlns:a="http://schemas.openxmlformats.org/drawingml/2006/main" xmlns:r="http://schemas.openxmlformats.org/officeDocument/2006/relationships" xmlns:p="http://schemas.openxmlformats.org/presentationml/2006/main">
+  <p:cSld>
+    <p:spTree>
+      <p:nvGrpSpPr>
+        <p:cNvPr id="1" name=""/>
+        <p:cNvGrpSpPr/>
+        <p:nvPr/>
+      </p:nvGrpSpPr>
+      <p:grpSpPr>
+        <a:xfrm>
+          <a:off x="0" y="0"/>
+          <a:ext cx="0" cy="0"/>
+          <a:chOff x="0" y="0"/>
+          <a:chExt cx="0" cy="0"/>
+        </a:xfrm>
+      </p:grpSpPr>
+      <p:pic>
+        <p:nvPicPr>
+          <p:cNvPr id="2" name="Imagem 1">
+            <a:extLst>
+              <a:ext uri="{FF2B5EF4-FFF2-40B4-BE49-F238E27FC236}">
+                <a16:creationId xmlns:a16="http://schemas.microsoft.com/office/drawing/2014/main" id="{C94C5341-1028-4EE8-8B3B-D3C266DA96B2}"/>
+              </a:ext>
+            </a:extLst>
+          </p:cNvPr>
+          <p:cNvPicPr>
+            <a:picLocks noChangeAspect="1"/>
+          </p:cNvPicPr>
+          <p:nvPr/>
+        </p:nvPicPr>
+        <p:blipFill>
+          <a:blip r:embed="rId2"/>
+          <a:stretch>
+            <a:fillRect/>
+          </a:stretch>
+        </p:blipFill>
+        <p:spPr>
+          <a:xfrm>
+            <a:off x="1829721" y="1828800"/>
+            <a:ext cx="7766172" cy="2375535"/>
+          </a:xfrm>
+          <a:prstGeom prst="rect">
+            <a:avLst/>
+          </a:prstGeom>
+        </p:spPr>
+      </p:pic>
+    </p:spTree>
+    <p:extLst>
+      <p:ext uri="{BB962C8B-B14F-4D97-AF65-F5344CB8AC3E}">
+        <p14:creationId xmlns:p14="http://schemas.microsoft.com/office/powerpoint/2010/main" val="1319338167"/>
+      </p:ext>
+    </p:extLst>
+  </p:cSld>
+  <p:clrMapOvr>
+    <a:masterClrMapping/>
+  </p:clrMapOvr>
+</p:sld>
+</file>
+
+<file path=ppt/slides/slide19.xml><?xml version="1.0" encoding="utf-8"?>
+<p:sld xmlns:a="http://schemas.openxmlformats.org/drawingml/2006/main" xmlns:r="http://schemas.openxmlformats.org/officeDocument/2006/relationships" xmlns:p="http://schemas.openxmlformats.org/presentationml/2006/main">
+  <p:cSld>
+    <p:spTree>
+      <p:nvGrpSpPr>
+        <p:cNvPr id="1" name=""/>
+        <p:cNvGrpSpPr/>
+        <p:nvPr/>
+      </p:nvGrpSpPr>
+      <p:grpSpPr>
+        <a:xfrm>
+          <a:off x="0" y="0"/>
+          <a:ext cx="0" cy="0"/>
+          <a:chOff x="0" y="0"/>
+          <a:chExt cx="0" cy="0"/>
+        </a:xfrm>
+      </p:grpSpPr>
+      <p:pic>
+        <p:nvPicPr>
+          <p:cNvPr id="2" name="Imagem 1">
+            <a:extLst>
+              <a:ext uri="{FF2B5EF4-FFF2-40B4-BE49-F238E27FC236}">
+                <a16:creationId xmlns:a16="http://schemas.microsoft.com/office/drawing/2014/main" id="{887649E6-D73C-4A00-8213-3E6CC749A9C4}"/>
+              </a:ext>
+            </a:extLst>
+          </p:cNvPr>
+          <p:cNvPicPr>
+            <a:picLocks noChangeAspect="1"/>
+          </p:cNvPicPr>
+          <p:nvPr/>
+        </p:nvPicPr>
+        <p:blipFill>
+          <a:blip r:embed="rId2"/>
+          <a:stretch>
+            <a:fillRect/>
+          </a:stretch>
+        </p:blipFill>
+        <p:spPr>
+          <a:xfrm>
+            <a:off x="1162594" y="464839"/>
+            <a:ext cx="9031621" cy="5426509"/>
+          </a:xfrm>
+          <a:prstGeom prst="rect">
+            <a:avLst/>
+          </a:prstGeom>
+        </p:spPr>
+      </p:pic>
+    </p:spTree>
+    <p:extLst>
+      <p:ext uri="{BB962C8B-B14F-4D97-AF65-F5344CB8AC3E}">
+        <p14:creationId xmlns:p14="http://schemas.microsoft.com/office/powerpoint/2010/main" val="3557826053"/>
       </p:ext>
     </p:extLst>
   </p:cSld>
